--- a/raykatz_nedg_gaudiosi/poster/Poster.pptx
+++ b/raykatz_nedg_gaudiosi/poster/Poster.pptx
@@ -4845,7 +4845,7 @@
         </p:nvSpPr>
         <p:spPr>
           <a:xfrm>
-            <a:off x="24403050" y="20157156"/>
+            <a:off x="24490729" y="22557212"/>
             <a:ext cx="11715749" cy="5435334"/>
           </a:xfrm>
           <a:prstGeom prst="rect">
@@ -4872,22 +4872,29 @@
               <a:buChar char="•"/>
             </a:pPr>
             <a:r>
-              <a:rPr lang="en-US" sz="4000" dirty="0" smtClean="0"/>
-              <a:t>No one </a:t>
-            </a:r>
-            <a:r>
-              <a:rPr lang="en-US" sz="4000" dirty="0" err="1" smtClean="0"/>
-              <a:t>cuz</a:t>
-            </a:r>
-            <a:r>
-              <a:rPr lang="en-US" sz="4000" dirty="0" smtClean="0"/>
-              <a:t> we’re </a:t>
-            </a:r>
-            <a:r>
-              <a:rPr lang="en-US" sz="4000" dirty="0" err="1" smtClean="0"/>
-              <a:t>baddassessdfdsfdsfds</a:t>
-            </a:r>
-            <a:endParaRPr lang="en-US" sz="4000" dirty="0" smtClean="0"/>
+              <a:rPr lang="en-US" sz="3000" dirty="0"/>
+              <a:t>Chapple, Karen. </a:t>
+            </a:r>
+            <a:r>
+              <a:rPr lang="en-US" sz="3000" i="1" dirty="0"/>
+              <a:t>Mapping Susceptibility to </a:t>
+            </a:r>
+            <a:r>
+              <a:rPr lang="en-US" sz="3000" i="1" dirty="0" smtClean="0"/>
+              <a:t>Gentrification: </a:t>
+            </a:r>
+            <a:r>
+              <a:rPr lang="en-US" sz="3000" i="1" dirty="0"/>
+              <a:t>The Early Warning Toolkit</a:t>
+            </a:r>
+            <a:r>
+              <a:rPr lang="en-US" sz="3000" dirty="0"/>
+              <a:t>. UC Berkeley Center for Community Innovation, 2009</a:t>
+            </a:r>
+            <a:r>
+              <a:rPr lang="en-US" sz="3000" dirty="0" smtClean="0"/>
+              <a:t>.</a:t>
+            </a:r>
           </a:p>
           <a:p>
             <a:pPr marL="571500" indent="-571500">
@@ -4895,11 +4902,7 @@
               <a:buFont typeface="Arial" charset="0"/>
               <a:buChar char="•"/>
             </a:pPr>
-            <a:r>
-              <a:rPr lang="en-US" sz="4000" dirty="0" err="1" smtClean="0"/>
-              <a:t>Sdfsdfkljsdfkjlsdfkjlkdflskljfdkjlsdf</a:t>
-            </a:r>
-            <a:endParaRPr lang="en-US" sz="4000" dirty="0" smtClean="0"/>
+            <a:endParaRPr lang="en-US" sz="3000" dirty="0" smtClean="0"/>
           </a:p>
           <a:p>
             <a:pPr marL="571500" indent="-571500">
@@ -4907,17 +4910,6 @@
               <a:buFont typeface="Arial" charset="0"/>
               <a:buChar char="•"/>
             </a:pPr>
-            <a:r>
-              <a:rPr lang="en-US" sz="4000" dirty="0" smtClean="0"/>
-              <a:t>Hail </a:t>
-            </a:r>
-            <a:r>
-              <a:rPr lang="en-US" sz="4000" dirty="0" err="1" smtClean="0"/>
-              <a:t>satan</a:t>
-            </a:r>
-            <a:endParaRPr lang="en-US" sz="4000" dirty="0"/>
-          </a:p>
-          <a:p>
             <a:endParaRPr lang="en-US" sz="4000" dirty="0"/>
           </a:p>
           <a:p>
@@ -4933,8 +4925,8 @@
         </p:nvSpPr>
         <p:spPr>
           <a:xfrm>
-            <a:off x="24422100" y="12899106"/>
-            <a:ext cx="11696699" cy="6198620"/>
+            <a:off x="24605903" y="15103477"/>
+            <a:ext cx="11696699" cy="8488478"/>
           </a:xfrm>
           <a:prstGeom prst="rect">
             <a:avLst/>
@@ -4956,27 +4948,16 @@
           <a:p>
             <a:r>
               <a:rPr lang="en-US" sz="4000" dirty="0" smtClean="0"/>
-              <a:t>This is a </a:t>
-            </a:r>
-            <a:r>
-              <a:rPr lang="en-US" sz="4000" dirty="0" err="1" smtClean="0"/>
-              <a:t>paragaph</a:t>
+              <a:t>Our analysis shows that parts south Boston appear to be greatest risk of being gentrified. Community leaders </a:t>
             </a:r>
             <a:r>
               <a:rPr lang="en-US" sz="4000" dirty="0" smtClean="0"/>
-              <a:t>. Talk here about how we found some interesting correlations and some not so interesting. Also our analysis of gentrification yields important data for </a:t>
-            </a:r>
-            <a:r>
-              <a:rPr lang="en-US" sz="4000" dirty="0" err="1" smtClean="0"/>
-              <a:t>bostons</a:t>
+              <a:t>should look to solutions so that residents of these neighborhoods aren’t displaced by rising rents. </a:t>
             </a:r>
             <a:r>
               <a:rPr lang="en-US" sz="4000" dirty="0" smtClean="0"/>
-              <a:t> future blah blah</a:t>
-            </a:r>
-            <a:endParaRPr lang="en-US" sz="4000" dirty="0"/>
-          </a:p>
-          <a:p>
+              <a:t>Looking ahead, it’s clear that more research needs to be done on how significantly each of the factors we used affects a neighborhoods gentrification risk.</a:t>
+            </a:r>
             <a:endParaRPr lang="en-US" sz="4000" dirty="0"/>
           </a:p>
           <a:p>
@@ -4993,7 +4974,7 @@
         <p:spPr>
           <a:xfrm>
             <a:off x="24672095" y="5530858"/>
-            <a:ext cx="12192000" cy="3908762"/>
+            <a:ext cx="12192000" cy="11541621"/>
           </a:xfrm>
           <a:prstGeom prst="rect">
             <a:avLst/>
@@ -5015,7 +4996,7 @@
           <a:p>
             <a:r>
               <a:rPr lang="en-US" sz="4000" dirty="0" smtClean="0"/>
-              <a:t>Talk about how we developed our scoring method</a:t>
+              <a:t>Many studies have been done on finding the indicators of gentrification, and after some research, we came up with our own scoring method for analyzing this risk. We first normalized all of our variables. Then, for each neighborhood, we summed the distances from the means for each variables, multiplying by negative one if the variable is actually a negative indicator. This method is obviously not perfect, as some variables likely have more influence than others, but we believe this provides at least some insight into a very complex issue.</a:t>
             </a:r>
             <a:endParaRPr lang="en-US" sz="4000" dirty="0"/>
           </a:p>
@@ -5065,7 +5046,6 @@
               <a:rPr lang="en-US" sz="4000" dirty="0" smtClean="0"/>
               <a:t>2010 U.S. Census</a:t>
             </a:r>
-            <a:endParaRPr lang="en-US" sz="4000" dirty="0" smtClean="0"/>
           </a:p>
           <a:p>
             <a:pPr marL="857250" indent="-857250">
@@ -5077,7 +5057,6 @@
               <a:rPr lang="en-US" sz="4000" dirty="0" smtClean="0"/>
               <a:t>2015 American Community Survey</a:t>
             </a:r>
-            <a:endParaRPr lang="en-US" sz="4000" dirty="0" smtClean="0"/>
           </a:p>
           <a:p>
             <a:pPr marL="857250" indent="-857250">
@@ -5100,7 +5079,6 @@
               <a:rPr lang="en-US" sz="4000" dirty="0" smtClean="0"/>
               <a:t>MBTA Routes and Stops</a:t>
             </a:r>
-            <a:endParaRPr lang="en-US" sz="4000" dirty="0" smtClean="0"/>
           </a:p>
           <a:p>
             <a:pPr marL="857250" indent="-857250">
@@ -5145,7 +5123,6 @@
               <a:rPr lang="en-US" sz="2000" dirty="0" smtClean="0"/>
               <a:t>Figure 2: Table showing correlation coefficients between several of the variables we used.</a:t>
             </a:r>
-            <a:endParaRPr lang="en-US" sz="2000" dirty="0" smtClean="0"/>
           </a:p>
           <a:p>
             <a:endParaRPr lang="en-US" sz="4000" dirty="0"/>
@@ -5601,7 +5578,7 @@
         </p:nvSpPr>
         <p:spPr>
           <a:xfrm>
-            <a:off x="16306760" y="17052172"/>
+            <a:off x="15818430" y="17221124"/>
             <a:ext cx="8629650" cy="2231136"/>
           </a:xfrm>
           <a:prstGeom prst="rect">

--- a/raykatz_nedg_gaudiosi/poster/Poster.pptx
+++ b/raykatz_nedg_gaudiosi/poster/Poster.pptx
@@ -14891,7 +14891,7 @@
               <a:buNone/>
             </a:pPr>
             <a:r>
-              <a:rPr lang="en-US" sz="6000">
+              <a:rPr lang="en-US" sz="6000" dirty="0">
                 <a:solidFill>
                   <a:schemeClr val="dk1"/>
                 </a:solidFill>
@@ -14900,8 +14900,53 @@
                 <a:cs typeface="Arial"/>
                 <a:sym typeface="Arial"/>
               </a:rPr>
-              <a:t>By Ben Gaudiosi, Ray Katz, and Ned Gleesin</a:t>
+              <a:t>By Ben </a:t>
             </a:r>
+            <a:r>
+              <a:rPr lang="en-US" sz="6000" dirty="0" err="1">
+                <a:solidFill>
+                  <a:schemeClr val="dk1"/>
+                </a:solidFill>
+                <a:latin typeface="Arial"/>
+                <a:ea typeface="Arial"/>
+                <a:cs typeface="Arial"/>
+                <a:sym typeface="Arial"/>
+              </a:rPr>
+              <a:t>Gaudiosi</a:t>
+            </a:r>
+            <a:r>
+              <a:rPr lang="en-US" sz="6000" dirty="0">
+                <a:solidFill>
+                  <a:schemeClr val="dk1"/>
+                </a:solidFill>
+                <a:latin typeface="Arial"/>
+                <a:ea typeface="Arial"/>
+                <a:cs typeface="Arial"/>
+                <a:sym typeface="Arial"/>
+              </a:rPr>
+              <a:t>, Ray Katz, and Ned </a:t>
+            </a:r>
+            <a:r>
+              <a:rPr lang="en-US" sz="6000" dirty="0" err="1" smtClean="0">
+                <a:solidFill>
+                  <a:schemeClr val="dk1"/>
+                </a:solidFill>
+                <a:latin typeface="Arial"/>
+                <a:ea typeface="Arial"/>
+                <a:cs typeface="Arial"/>
+                <a:sym typeface="Arial"/>
+              </a:rPr>
+              <a:t>Geeslin</a:t>
+            </a:r>
+            <a:endParaRPr lang="en-US" sz="6000" dirty="0">
+              <a:solidFill>
+                <a:schemeClr val="dk1"/>
+              </a:solidFill>
+              <a:latin typeface="Arial"/>
+              <a:ea typeface="Arial"/>
+              <a:cs typeface="Arial"/>
+              <a:sym typeface="Arial"/>
+            </a:endParaRPr>
           </a:p>
         </p:txBody>
       </p:sp>

--- a/raykatz_nedg_gaudiosi/poster/Poster.pptx
+++ b/raykatz_nedg_gaudiosi/poster/Poster.pptx
@@ -15176,7 +15176,7 @@
               <a:buNone/>
             </a:pPr>
             <a:r>
-              <a:rPr lang="en-US" sz="6000">
+              <a:rPr lang="en-US" sz="6000" dirty="0">
                 <a:solidFill>
                   <a:schemeClr val="dk1"/>
                 </a:solidFill>
@@ -15207,7 +15207,7 @@
               <a:buChar char="•"/>
             </a:pPr>
             <a:r>
-              <a:rPr lang="en-US" sz="3000">
+              <a:rPr lang="en-US" sz="3000" dirty="0">
                 <a:solidFill>
                   <a:schemeClr val="dk1"/>
                 </a:solidFill>
@@ -15219,7 +15219,7 @@
               <a:t>Chapple, Karen. </a:t>
             </a:r>
             <a:r>
-              <a:rPr lang="en-US" sz="3000" i="1">
+              <a:rPr lang="en-US" sz="3000" i="1" dirty="0">
                 <a:solidFill>
                   <a:schemeClr val="dk1"/>
                 </a:solidFill>
@@ -15231,7 +15231,7 @@
               <a:t>Mapping Susceptibility to Gentrification: The Early Warning Toolkit</a:t>
             </a:r>
             <a:r>
-              <a:rPr lang="en-US" sz="3000">
+              <a:rPr lang="en-US" sz="3000" dirty="0">
                 <a:solidFill>
                   <a:schemeClr val="dk1"/>
                 </a:solidFill>
@@ -15261,7 +15261,7 @@
               <a:buFont typeface="Arial"/>
               <a:buNone/>
             </a:pPr>
-            <a:endParaRPr sz="3000">
+            <a:endParaRPr sz="3000" dirty="0">
               <a:solidFill>
                 <a:schemeClr val="dk1"/>
               </a:solidFill>
@@ -15289,7 +15289,7 @@
               <a:buFont typeface="Arial"/>
               <a:buNone/>
             </a:pPr>
-            <a:endParaRPr sz="4000">
+            <a:endParaRPr sz="4000" dirty="0">
               <a:solidFill>
                 <a:schemeClr val="dk1"/>
               </a:solidFill>
@@ -15312,7 +15312,7 @@
               </a:spcAft>
               <a:buNone/>
             </a:pPr>
-            <a:endParaRPr sz="6000">
+            <a:endParaRPr sz="6000" dirty="0">
               <a:solidFill>
                 <a:schemeClr val="dk1"/>
               </a:solidFill>
@@ -15816,12 +15816,28 @@
               <a:t>for solutions so </a:t>
             </a:r>
             <a:r>
+              <a:rPr lang="en-US" sz="4000" smtClean="0">
+                <a:solidFill>
+                  <a:schemeClr val="dk1"/>
+                </a:solidFill>
+              </a:rPr>
+              <a:t>residents </a:t>
+            </a:r>
+            <a:r>
+              <a:rPr lang="en-US" sz="4000" smtClean="0">
+                <a:solidFill>
+                  <a:schemeClr val="dk1"/>
+                </a:solidFill>
+              </a:rPr>
+              <a:t>are not </a:t>
+            </a:r>
+            <a:r>
               <a:rPr lang="en-US" sz="4000" dirty="0" smtClean="0">
                 <a:solidFill>
                   <a:schemeClr val="dk1"/>
                 </a:solidFill>
               </a:rPr>
-              <a:t>residents are displaced by high rent. </a:t>
+              <a:t>displaced by high rent. </a:t>
             </a:r>
             <a:r>
               <a:rPr lang="en-US" sz="4000" dirty="0" smtClean="0">
@@ -16750,7 +16766,7 @@
                         <a:buNone/>
                       </a:pPr>
                       <a:r>
-                        <a:rPr lang="en-US" sz="4000"/>
+                        <a:rPr lang="en-US" sz="4000" dirty="0"/>
                         <a:t>-0.63</a:t>
                       </a:r>
                     </a:p>
